--- a/doc/13_外部設計/画面遷移図.pptx
+++ b/doc/13_外部設計/画面遷移図.pptx
@@ -106,6 +106,11 @@
       </a:defRPr>
     </a:lvl9pPr>
   </p:defaultTextStyle>
+  <p:extLst>
+    <p:ext uri="{EFAFB233-063F-42B5-8137-9DF3F51BA10A}">
+      <p15:sldGuideLst xmlns:p15="http://schemas.microsoft.com/office/powerpoint/2012/main"/>
+    </p:ext>
+  </p:extLst>
 </p:presentation>
 </file>
 
@@ -256,7 +261,7 @@
           <a:p>
             <a:fld id="{9010E46B-8F00-4041-BB1F-BA5ED024E104}" type="datetimeFigureOut">
               <a:rPr kumimoji="1" lang="ja-JP" altLang="en-US" smtClean="0"/>
-              <a:t>2024/6/6</a:t>
+              <a:t>2024/6/7</a:t>
             </a:fld>
             <a:endParaRPr kumimoji="1" lang="ja-JP" altLang="en-US"/>
           </a:p>
@@ -486,7 +491,7 @@
           <a:p>
             <a:fld id="{9010E46B-8F00-4041-BB1F-BA5ED024E104}" type="datetimeFigureOut">
               <a:rPr kumimoji="1" lang="ja-JP" altLang="en-US" smtClean="0"/>
-              <a:t>2024/6/6</a:t>
+              <a:t>2024/6/7</a:t>
             </a:fld>
             <a:endParaRPr kumimoji="1" lang="ja-JP" altLang="en-US"/>
           </a:p>
@@ -726,7 +731,7 @@
           <a:p>
             <a:fld id="{9010E46B-8F00-4041-BB1F-BA5ED024E104}" type="datetimeFigureOut">
               <a:rPr kumimoji="1" lang="ja-JP" altLang="en-US" smtClean="0"/>
-              <a:t>2024/6/6</a:t>
+              <a:t>2024/6/7</a:t>
             </a:fld>
             <a:endParaRPr kumimoji="1" lang="ja-JP" altLang="en-US"/>
           </a:p>
@@ -956,7 +961,7 @@
           <a:p>
             <a:fld id="{9010E46B-8F00-4041-BB1F-BA5ED024E104}" type="datetimeFigureOut">
               <a:rPr kumimoji="1" lang="ja-JP" altLang="en-US" smtClean="0"/>
-              <a:t>2024/6/6</a:t>
+              <a:t>2024/6/7</a:t>
             </a:fld>
             <a:endParaRPr kumimoji="1" lang="ja-JP" altLang="en-US"/>
           </a:p>
@@ -1231,7 +1236,7 @@
           <a:p>
             <a:fld id="{9010E46B-8F00-4041-BB1F-BA5ED024E104}" type="datetimeFigureOut">
               <a:rPr kumimoji="1" lang="ja-JP" altLang="en-US" smtClean="0"/>
-              <a:t>2024/6/6</a:t>
+              <a:t>2024/6/7</a:t>
             </a:fld>
             <a:endParaRPr kumimoji="1" lang="ja-JP" altLang="en-US"/>
           </a:p>
@@ -1560,7 +1565,7 @@
           <a:p>
             <a:fld id="{9010E46B-8F00-4041-BB1F-BA5ED024E104}" type="datetimeFigureOut">
               <a:rPr kumimoji="1" lang="ja-JP" altLang="en-US" smtClean="0"/>
-              <a:t>2024/6/6</a:t>
+              <a:t>2024/6/7</a:t>
             </a:fld>
             <a:endParaRPr kumimoji="1" lang="ja-JP" altLang="en-US"/>
           </a:p>
@@ -2036,7 +2041,7 @@
           <a:p>
             <a:fld id="{9010E46B-8F00-4041-BB1F-BA5ED024E104}" type="datetimeFigureOut">
               <a:rPr kumimoji="1" lang="ja-JP" altLang="en-US" smtClean="0"/>
-              <a:t>2024/6/6</a:t>
+              <a:t>2024/6/7</a:t>
             </a:fld>
             <a:endParaRPr kumimoji="1" lang="ja-JP" altLang="en-US"/>
           </a:p>
@@ -2177,7 +2182,7 @@
           <a:p>
             <a:fld id="{9010E46B-8F00-4041-BB1F-BA5ED024E104}" type="datetimeFigureOut">
               <a:rPr kumimoji="1" lang="ja-JP" altLang="en-US" smtClean="0"/>
-              <a:t>2024/6/6</a:t>
+              <a:t>2024/6/7</a:t>
             </a:fld>
             <a:endParaRPr kumimoji="1" lang="ja-JP" altLang="en-US"/>
           </a:p>
@@ -2290,7 +2295,7 @@
           <a:p>
             <a:fld id="{9010E46B-8F00-4041-BB1F-BA5ED024E104}" type="datetimeFigureOut">
               <a:rPr kumimoji="1" lang="ja-JP" altLang="en-US" smtClean="0"/>
-              <a:t>2024/6/6</a:t>
+              <a:t>2024/6/7</a:t>
             </a:fld>
             <a:endParaRPr kumimoji="1" lang="ja-JP" altLang="en-US"/>
           </a:p>
@@ -2633,7 +2638,7 @@
           <a:p>
             <a:fld id="{9010E46B-8F00-4041-BB1F-BA5ED024E104}" type="datetimeFigureOut">
               <a:rPr kumimoji="1" lang="ja-JP" altLang="en-US" smtClean="0"/>
-              <a:t>2024/6/6</a:t>
+              <a:t>2024/6/7</a:t>
             </a:fld>
             <a:endParaRPr kumimoji="1" lang="ja-JP" altLang="en-US"/>
           </a:p>
@@ -2921,7 +2926,7 @@
           <a:p>
             <a:fld id="{9010E46B-8F00-4041-BB1F-BA5ED024E104}" type="datetimeFigureOut">
               <a:rPr kumimoji="1" lang="ja-JP" altLang="en-US" smtClean="0"/>
-              <a:t>2024/6/6</a:t>
+              <a:t>2024/6/7</a:t>
             </a:fld>
             <a:endParaRPr kumimoji="1" lang="ja-JP" altLang="en-US"/>
           </a:p>
@@ -3194,7 +3199,7 @@
           <a:p>
             <a:fld id="{9010E46B-8F00-4041-BB1F-BA5ED024E104}" type="datetimeFigureOut">
               <a:rPr kumimoji="1" lang="ja-JP" altLang="en-US" smtClean="0"/>
-              <a:t>2024/6/6</a:t>
+              <a:t>2024/6/7</a:t>
             </a:fld>
             <a:endParaRPr kumimoji="1" lang="ja-JP" altLang="en-US"/>
           </a:p>
@@ -4226,7 +4231,7 @@
         </p:nvSpPr>
         <p:spPr>
           <a:xfrm>
-            <a:off x="6267450" y="255270"/>
+            <a:off x="8362974" y="289560"/>
             <a:ext cx="1181100" cy="708660"/>
           </a:xfrm>
           <a:prstGeom prst="rect">
@@ -4349,7 +4354,7 @@
         </p:nvSpPr>
         <p:spPr>
           <a:xfrm>
-            <a:off x="8210550" y="251460"/>
+            <a:off x="10379198" y="337751"/>
             <a:ext cx="1181100" cy="708660"/>
           </a:xfrm>
           <a:prstGeom prst="rect">
@@ -4446,7 +4451,7 @@
         </p:nvCxnSpPr>
         <p:spPr>
           <a:xfrm>
-            <a:off x="7532370" y="601980"/>
+            <a:off x="9698053" y="714544"/>
             <a:ext cx="594360" cy="0"/>
           </a:xfrm>
           <a:prstGeom prst="straightConnector1">
@@ -4534,7 +4539,7 @@
         </p:nvSpPr>
         <p:spPr>
           <a:xfrm>
-            <a:off x="8242935" y="259080"/>
+            <a:off x="10435614" y="424815"/>
             <a:ext cx="165735" cy="165735"/>
           </a:xfrm>
           <a:prstGeom prst="ellipse">
@@ -4627,7 +4632,7 @@
         <p:spPr>
           <a:xfrm flipH="1">
             <a:off x="1478280" y="1352550"/>
-            <a:ext cx="7056120" cy="0"/>
+            <a:ext cx="9491468" cy="0"/>
           </a:xfrm>
           <a:prstGeom prst="straightConnector1">
             <a:avLst/>
@@ -4667,7 +4672,7 @@
         </p:nvCxnSpPr>
         <p:spPr>
           <a:xfrm>
-            <a:off x="8534400" y="998220"/>
+            <a:off x="10969748" y="1040130"/>
             <a:ext cx="0" cy="354330"/>
           </a:xfrm>
           <a:prstGeom prst="straightConnector1">
@@ -4692,6 +4697,105 @@
           </a:fontRef>
         </p:style>
       </p:cxnSp>
+      <p:cxnSp>
+        <p:nvCxnSpPr>
+          <p:cNvPr id="3" name="直線矢印コネクタ 2">
+            <a:extLst>
+              <a:ext uri="{FF2B5EF4-FFF2-40B4-BE49-F238E27FC236}">
+                <a16:creationId xmlns:a16="http://schemas.microsoft.com/office/drawing/2014/main" id="{3165DFEC-6712-3EF6-326F-EBDF3EC66684}"/>
+              </a:ext>
+            </a:extLst>
+          </p:cNvPr>
+          <p:cNvCxnSpPr>
+            <a:cxnSpLocks/>
+          </p:cNvCxnSpPr>
+          <p:nvPr/>
+        </p:nvCxnSpPr>
+        <p:spPr>
+          <a:xfrm>
+            <a:off x="7592702" y="643890"/>
+            <a:ext cx="594360" cy="0"/>
+          </a:xfrm>
+          <a:prstGeom prst="straightConnector1">
+            <a:avLst/>
+          </a:prstGeom>
+          <a:ln>
+            <a:tailEnd type="triangle"/>
+          </a:ln>
+        </p:spPr>
+        <p:style>
+          <a:lnRef idx="2">
+            <a:schemeClr val="accent1"/>
+          </a:lnRef>
+          <a:fillRef idx="0">
+            <a:schemeClr val="accent1"/>
+          </a:fillRef>
+          <a:effectRef idx="1">
+            <a:schemeClr val="accent1"/>
+          </a:effectRef>
+          <a:fontRef idx="minor">
+            <a:schemeClr val="tx1"/>
+          </a:fontRef>
+        </p:style>
+      </p:cxnSp>
+      <p:sp>
+        <p:nvSpPr>
+          <p:cNvPr id="5" name="正方形/長方形 4">
+            <a:extLst>
+              <a:ext uri="{FF2B5EF4-FFF2-40B4-BE49-F238E27FC236}">
+                <a16:creationId xmlns:a16="http://schemas.microsoft.com/office/drawing/2014/main" id="{F508E87A-A056-6938-5392-2AC2E1A6BD5C}"/>
+              </a:ext>
+            </a:extLst>
+          </p:cNvPr>
+          <p:cNvSpPr/>
+          <p:nvPr/>
+        </p:nvSpPr>
+        <p:spPr>
+          <a:xfrm>
+            <a:off x="6290334" y="289560"/>
+            <a:ext cx="1181100" cy="708660"/>
+          </a:xfrm>
+          <a:prstGeom prst="rect">
+            <a:avLst/>
+          </a:prstGeom>
+          <a:solidFill>
+            <a:schemeClr val="bg1">
+              <a:lumMod val="95000"/>
+            </a:schemeClr>
+          </a:solidFill>
+        </p:spPr>
+        <p:style>
+          <a:lnRef idx="2">
+            <a:schemeClr val="accent1">
+              <a:shade val="15000"/>
+            </a:schemeClr>
+          </a:lnRef>
+          <a:fillRef idx="1">
+            <a:schemeClr val="accent1"/>
+          </a:fillRef>
+          <a:effectRef idx="0">
+            <a:schemeClr val="accent1"/>
+          </a:effectRef>
+          <a:fontRef idx="minor">
+            <a:schemeClr val="lt1"/>
+          </a:fontRef>
+        </p:style>
+        <p:txBody>
+          <a:bodyPr rtlCol="0" anchor="ctr"/>
+          <a:lstStyle/>
+          <a:p>
+            <a:pPr algn="ctr"/>
+            <a:r>
+              <a:rPr kumimoji="1" lang="ja-JP" altLang="en-US" sz="1100" dirty="0">
+                <a:solidFill>
+                  <a:schemeClr val="tx1"/>
+                </a:solidFill>
+              </a:rPr>
+              <a:t>メール</a:t>
+            </a:r>
+          </a:p>
+        </p:txBody>
+      </p:sp>
     </p:spTree>
     <p:extLst>
       <p:ext uri="{BB962C8B-B14F-4D97-AF65-F5344CB8AC3E}">
